--- a/Architecture.pptx
+++ b/Architecture.pptx
@@ -4281,32 +4281,89 @@
           </a:p>
         </p:txBody>
       </p:sp>
+      <p:sp>
+        <p:nvSpPr>
+          <p:cNvPr id="15" name="Rectangle: Rounded Corners 14">
+            <a:extLst>
+              <a:ext uri="{FF2B5EF4-FFF2-40B4-BE49-F238E27FC236}">
+                <a16:creationId xmlns:a16="http://schemas.microsoft.com/office/drawing/2014/main" id="{7CF00082-29BE-B194-13CF-430637F0D3E5}"/>
+              </a:ext>
+            </a:extLst>
+          </p:cNvPr>
+          <p:cNvSpPr/>
+          <p:nvPr/>
+        </p:nvSpPr>
+        <p:spPr>
+          <a:xfrm>
+            <a:off x="5925670" y="1582274"/>
+            <a:ext cx="735106" cy="448231"/>
+          </a:xfrm>
+          <a:prstGeom prst="roundRect">
+            <a:avLst/>
+          </a:prstGeom>
+          <a:noFill/>
+          <a:ln w="28575">
+            <a:solidFill>
+              <a:srgbClr val="00B050"/>
+            </a:solidFill>
+          </a:ln>
+        </p:spPr>
+        <p:style>
+          <a:lnRef idx="2">
+            <a:schemeClr val="accent1">
+              <a:shade val="50000"/>
+            </a:schemeClr>
+          </a:lnRef>
+          <a:fillRef idx="1">
+            <a:schemeClr val="accent1"/>
+          </a:fillRef>
+          <a:effectRef idx="0">
+            <a:schemeClr val="accent1"/>
+          </a:effectRef>
+          <a:fontRef idx="minor">
+            <a:schemeClr val="lt1"/>
+          </a:fontRef>
+        </p:style>
+        <p:txBody>
+          <a:bodyPr rtlCol="0" anchor="ctr"/>
+          <a:lstStyle/>
+          <a:p>
+            <a:pPr algn="ctr"/>
+            <a:r>
+              <a:rPr lang="en-US" sz="1400" dirty="0">
+                <a:solidFill>
+                  <a:schemeClr val="tx1"/>
+                </a:solidFill>
+              </a:rPr>
+              <a:t>React routes</a:t>
+            </a:r>
+          </a:p>
+        </p:txBody>
+      </p:sp>
       <p:cxnSp>
         <p:nvCxnSpPr>
-          <p:cNvPr id="11" name="Straight Arrow Connector 10">
-            <a:extLst>
-              <a:ext uri="{FF2B5EF4-FFF2-40B4-BE49-F238E27FC236}">
-                <a16:creationId xmlns:a16="http://schemas.microsoft.com/office/drawing/2014/main" id="{3ECAE6CB-8FBA-FC91-C95B-B58F9B89D905}"/>
+          <p:cNvPr id="8" name="Straight Connector 7">
+            <a:extLst>
+              <a:ext uri="{FF2B5EF4-FFF2-40B4-BE49-F238E27FC236}">
+                <a16:creationId xmlns:a16="http://schemas.microsoft.com/office/drawing/2014/main" id="{F6B9805A-6E13-3F17-C8FA-AEE5FB81F234}"/>
               </a:ext>
             </a:extLst>
           </p:cNvPr>
           <p:cNvCxnSpPr>
-            <a:stCxn id="9" idx="0"/>
-            <a:endCxn id="6" idx="2"/>
+            <a:stCxn id="4" idx="2"/>
+            <a:endCxn id="5" idx="0"/>
           </p:cNvCxnSpPr>
           <p:nvPr/>
         </p:nvCxnSpPr>
         <p:spPr>
-          <a:xfrm flipH="1" flipV="1">
-            <a:off x="5334000" y="3281086"/>
-            <a:ext cx="636494" cy="331697"/>
-          </a:xfrm>
-          <a:prstGeom prst="straightConnector1">
+          <a:xfrm>
+            <a:off x="5970494" y="1021977"/>
+            <a:ext cx="0" cy="358590"/>
+          </a:xfrm>
+          <a:prstGeom prst="line">
             <a:avLst/>
           </a:prstGeom>
-          <a:ln w="28575">
-            <a:tailEnd type="triangle"/>
-          </a:ln>
+          <a:ln w="28575"/>
         </p:spPr>
         <p:style>
           <a:lnRef idx="1">
@@ -4325,133 +4382,29 @@
       </p:cxnSp>
       <p:cxnSp>
         <p:nvCxnSpPr>
-          <p:cNvPr id="12" name="Straight Arrow Connector 11">
-            <a:extLst>
-              <a:ext uri="{FF2B5EF4-FFF2-40B4-BE49-F238E27FC236}">
-                <a16:creationId xmlns:a16="http://schemas.microsoft.com/office/drawing/2014/main" id="{C7E68FBD-C907-ECAB-E67E-126E4D1E8798}"/>
+          <p:cNvPr id="10" name="Straight Connector 9">
+            <a:extLst>
+              <a:ext uri="{FF2B5EF4-FFF2-40B4-BE49-F238E27FC236}">
+                <a16:creationId xmlns:a16="http://schemas.microsoft.com/office/drawing/2014/main" id="{3C7C8CFC-8A56-8E57-4F6D-C59610DC48BC}"/>
               </a:ext>
             </a:extLst>
           </p:cNvPr>
           <p:cNvCxnSpPr>
             <a:cxnSpLocks/>
-            <a:stCxn id="9" idx="0"/>
-            <a:endCxn id="7" idx="2"/>
+            <a:stCxn id="5" idx="2"/>
+            <a:endCxn id="6" idx="0"/>
           </p:cNvCxnSpPr>
           <p:nvPr/>
         </p:nvCxnSpPr>
         <p:spPr>
-          <a:xfrm flipV="1">
-            <a:off x="5970494" y="3281086"/>
-            <a:ext cx="645459" cy="331697"/>
-          </a:xfrm>
-          <a:prstGeom prst="straightConnector1">
+          <a:xfrm flipH="1">
+            <a:off x="5334000" y="2232213"/>
+            <a:ext cx="636494" cy="385485"/>
+          </a:xfrm>
+          <a:prstGeom prst="line">
             <a:avLst/>
           </a:prstGeom>
-          <a:ln w="28575">
-            <a:tailEnd type="triangle"/>
-          </a:ln>
-        </p:spPr>
-        <p:style>
-          <a:lnRef idx="1">
-            <a:schemeClr val="accent1"/>
-          </a:lnRef>
-          <a:fillRef idx="0">
-            <a:schemeClr val="accent1"/>
-          </a:fillRef>
-          <a:effectRef idx="0">
-            <a:schemeClr val="accent1"/>
-          </a:effectRef>
-          <a:fontRef idx="minor">
-            <a:schemeClr val="tx1"/>
-          </a:fontRef>
-        </p:style>
-      </p:cxnSp>
-      <p:sp>
-        <p:nvSpPr>
-          <p:cNvPr id="15" name="Rectangle: Rounded Corners 14">
-            <a:extLst>
-              <a:ext uri="{FF2B5EF4-FFF2-40B4-BE49-F238E27FC236}">
-                <a16:creationId xmlns:a16="http://schemas.microsoft.com/office/drawing/2014/main" id="{7CF00082-29BE-B194-13CF-430637F0D3E5}"/>
-              </a:ext>
-            </a:extLst>
-          </p:cNvPr>
-          <p:cNvSpPr/>
-          <p:nvPr/>
-        </p:nvSpPr>
-        <p:spPr>
-          <a:xfrm>
-            <a:off x="5925670" y="1582274"/>
-            <a:ext cx="735106" cy="448231"/>
-          </a:xfrm>
-          <a:prstGeom prst="roundRect">
-            <a:avLst/>
-          </a:prstGeom>
-          <a:noFill/>
-          <a:ln w="28575">
-            <a:solidFill>
-              <a:srgbClr val="00B050"/>
-            </a:solidFill>
-          </a:ln>
-        </p:spPr>
-        <p:style>
-          <a:lnRef idx="2">
-            <a:schemeClr val="accent1">
-              <a:shade val="50000"/>
-            </a:schemeClr>
-          </a:lnRef>
-          <a:fillRef idx="1">
-            <a:schemeClr val="accent1"/>
-          </a:fillRef>
-          <a:effectRef idx="0">
-            <a:schemeClr val="accent1"/>
-          </a:effectRef>
-          <a:fontRef idx="minor">
-            <a:schemeClr val="lt1"/>
-          </a:fontRef>
-        </p:style>
-        <p:txBody>
-          <a:bodyPr rtlCol="0" anchor="ctr"/>
-          <a:lstStyle/>
-          <a:p>
-            <a:pPr algn="ctr"/>
-            <a:r>
-              <a:rPr lang="en-US" sz="1400" dirty="0">
-                <a:solidFill>
-                  <a:schemeClr val="tx1"/>
-                </a:solidFill>
-              </a:rPr>
-              <a:t>React routes</a:t>
-            </a:r>
-          </a:p>
-        </p:txBody>
-      </p:sp>
-      <p:cxnSp>
-        <p:nvCxnSpPr>
-          <p:cNvPr id="3" name="Straight Arrow Connector 2">
-            <a:extLst>
-              <a:ext uri="{FF2B5EF4-FFF2-40B4-BE49-F238E27FC236}">
-                <a16:creationId xmlns:a16="http://schemas.microsoft.com/office/drawing/2014/main" id="{60973EA9-37FB-79E6-483B-EF516AD1378B}"/>
-              </a:ext>
-            </a:extLst>
-          </p:cNvPr>
-          <p:cNvCxnSpPr>
-            <a:cxnSpLocks/>
-            <a:stCxn id="6" idx="0"/>
-            <a:endCxn id="5" idx="2"/>
-          </p:cNvCxnSpPr>
-          <p:nvPr/>
-        </p:nvCxnSpPr>
-        <p:spPr>
-          <a:xfrm flipV="1">
-            <a:off x="5334000" y="2232213"/>
-            <a:ext cx="636494" cy="385485"/>
-          </a:xfrm>
-          <a:prstGeom prst="straightConnector1">
-            <a:avLst/>
-          </a:prstGeom>
-          <a:ln w="28575">
-            <a:tailEnd type="triangle"/>
-          </a:ln>
+          <a:ln w="28575"/>
         </p:spPr>
         <p:style>
           <a:lnRef idx="1">
@@ -4470,31 +4423,29 @@
       </p:cxnSp>
       <p:cxnSp>
         <p:nvCxnSpPr>
-          <p:cNvPr id="13" name="Straight Arrow Connector 12">
-            <a:extLst>
-              <a:ext uri="{FF2B5EF4-FFF2-40B4-BE49-F238E27FC236}">
-                <a16:creationId xmlns:a16="http://schemas.microsoft.com/office/drawing/2014/main" id="{6F0366DF-44BD-0891-D064-AD14E0A7DEDC}"/>
+          <p:cNvPr id="18" name="Straight Connector 17">
+            <a:extLst>
+              <a:ext uri="{FF2B5EF4-FFF2-40B4-BE49-F238E27FC236}">
+                <a16:creationId xmlns:a16="http://schemas.microsoft.com/office/drawing/2014/main" id="{E7F4E565-2420-F2FB-C407-1D240F40A83E}"/>
               </a:ext>
             </a:extLst>
           </p:cNvPr>
           <p:cNvCxnSpPr>
             <a:cxnSpLocks/>
-            <a:stCxn id="7" idx="0"/>
-            <a:endCxn id="5" idx="2"/>
+            <a:stCxn id="5" idx="2"/>
+            <a:endCxn id="7" idx="0"/>
           </p:cNvCxnSpPr>
           <p:nvPr/>
         </p:nvCxnSpPr>
         <p:spPr>
-          <a:xfrm flipH="1" flipV="1">
+          <a:xfrm>
             <a:off x="5970494" y="2232213"/>
             <a:ext cx="645459" cy="385485"/>
           </a:xfrm>
-          <a:prstGeom prst="straightConnector1">
+          <a:prstGeom prst="line">
             <a:avLst/>
           </a:prstGeom>
-          <a:ln w="28575">
-            <a:tailEnd type="triangle"/>
-          </a:ln>
+          <a:ln w="28575"/>
         </p:spPr>
         <p:style>
           <a:lnRef idx="1">
@@ -4513,31 +4464,70 @@
       </p:cxnSp>
       <p:cxnSp>
         <p:nvCxnSpPr>
-          <p:cNvPr id="17" name="Straight Arrow Connector 16">
-            <a:extLst>
-              <a:ext uri="{FF2B5EF4-FFF2-40B4-BE49-F238E27FC236}">
-                <a16:creationId xmlns:a16="http://schemas.microsoft.com/office/drawing/2014/main" id="{B2140053-22C2-D31A-D85C-DB621431BBA5}"/>
+          <p:cNvPr id="21" name="Straight Connector 20">
+            <a:extLst>
+              <a:ext uri="{FF2B5EF4-FFF2-40B4-BE49-F238E27FC236}">
+                <a16:creationId xmlns:a16="http://schemas.microsoft.com/office/drawing/2014/main" id="{2D0AF301-86F4-4AD6-E1A3-12425996F317}"/>
               </a:ext>
             </a:extLst>
           </p:cNvPr>
           <p:cNvCxnSpPr>
             <a:cxnSpLocks/>
-            <a:stCxn id="5" idx="0"/>
-            <a:endCxn id="4" idx="2"/>
+            <a:stCxn id="6" idx="2"/>
+            <a:endCxn id="9" idx="0"/>
           </p:cNvCxnSpPr>
           <p:nvPr/>
         </p:nvCxnSpPr>
         <p:spPr>
-          <a:xfrm flipV="1">
-            <a:off x="5970494" y="1021977"/>
-            <a:ext cx="0" cy="358590"/>
-          </a:xfrm>
-          <a:prstGeom prst="straightConnector1">
+          <a:xfrm>
+            <a:off x="5334000" y="3281086"/>
+            <a:ext cx="636494" cy="331697"/>
+          </a:xfrm>
+          <a:prstGeom prst="line">
             <a:avLst/>
           </a:prstGeom>
-          <a:ln w="28575">
-            <a:tailEnd type="triangle"/>
-          </a:ln>
+          <a:ln w="28575"/>
+        </p:spPr>
+        <p:style>
+          <a:lnRef idx="1">
+            <a:schemeClr val="accent1"/>
+          </a:lnRef>
+          <a:fillRef idx="0">
+            <a:schemeClr val="accent1"/>
+          </a:fillRef>
+          <a:effectRef idx="0">
+            <a:schemeClr val="accent1"/>
+          </a:effectRef>
+          <a:fontRef idx="minor">
+            <a:schemeClr val="tx1"/>
+          </a:fontRef>
+        </p:style>
+      </p:cxnSp>
+      <p:cxnSp>
+        <p:nvCxnSpPr>
+          <p:cNvPr id="24" name="Straight Connector 23">
+            <a:extLst>
+              <a:ext uri="{FF2B5EF4-FFF2-40B4-BE49-F238E27FC236}">
+                <a16:creationId xmlns:a16="http://schemas.microsoft.com/office/drawing/2014/main" id="{4334AC2D-A93F-8D58-E88D-F5139D739FBC}"/>
+              </a:ext>
+            </a:extLst>
+          </p:cNvPr>
+          <p:cNvCxnSpPr>
+            <a:cxnSpLocks/>
+            <a:stCxn id="7" idx="2"/>
+            <a:endCxn id="9" idx="0"/>
+          </p:cNvCxnSpPr>
+          <p:nvPr/>
+        </p:nvCxnSpPr>
+        <p:spPr>
+          <a:xfrm flipH="1">
+            <a:off x="5970494" y="3281086"/>
+            <a:ext cx="645459" cy="331697"/>
+          </a:xfrm>
+          <a:prstGeom prst="line">
+            <a:avLst/>
+          </a:prstGeom>
+          <a:ln w="28575"/>
         </p:spPr>
         <p:style>
           <a:lnRef idx="1">

--- a/Architecture.pptx
+++ b/Architecture.pptx
@@ -3991,7 +3991,7 @@
         <p:spPr>
           <a:xfrm>
             <a:off x="5477435" y="358589"/>
-            <a:ext cx="986118" cy="663388"/>
+            <a:ext cx="986118" cy="466164"/>
           </a:xfrm>
           <a:prstGeom prst="roundRect">
             <a:avLst/>
@@ -4060,8 +4060,8 @@
         </p:nvSpPr>
         <p:spPr>
           <a:xfrm>
-            <a:off x="5230905" y="1380567"/>
-            <a:ext cx="1479178" cy="851646"/>
+            <a:off x="5230905" y="1219201"/>
+            <a:ext cx="1479178" cy="694767"/>
           </a:xfrm>
           <a:prstGeom prst="roundRect">
             <a:avLst/>
@@ -4118,8 +4118,8 @@
         </p:nvSpPr>
         <p:spPr>
           <a:xfrm>
-            <a:off x="4840941" y="2617698"/>
-            <a:ext cx="986118" cy="663388"/>
+            <a:off x="4840941" y="2286002"/>
+            <a:ext cx="986118" cy="466161"/>
           </a:xfrm>
           <a:prstGeom prst="roundRect">
             <a:avLst/>
@@ -4177,8 +4177,8 @@
         </p:nvSpPr>
         <p:spPr>
           <a:xfrm>
-            <a:off x="6122894" y="2617698"/>
-            <a:ext cx="986118" cy="663388"/>
+            <a:off x="6122894" y="2286002"/>
+            <a:ext cx="986118" cy="466161"/>
           </a:xfrm>
           <a:prstGeom prst="roundRect">
             <a:avLst/>
@@ -4236,8 +4236,8 @@
         </p:nvSpPr>
         <p:spPr>
           <a:xfrm>
-            <a:off x="5477435" y="3612783"/>
-            <a:ext cx="986118" cy="663388"/>
+            <a:off x="5477435" y="3137652"/>
+            <a:ext cx="986118" cy="376511"/>
           </a:xfrm>
           <a:prstGeom prst="roundRect">
             <a:avLst/>
@@ -4281,89 +4281,33 @@
           </a:p>
         </p:txBody>
       </p:sp>
-      <p:sp>
-        <p:nvSpPr>
-          <p:cNvPr id="15" name="Rectangle: Rounded Corners 14">
-            <a:extLst>
-              <a:ext uri="{FF2B5EF4-FFF2-40B4-BE49-F238E27FC236}">
-                <a16:creationId xmlns:a16="http://schemas.microsoft.com/office/drawing/2014/main" id="{7CF00082-29BE-B194-13CF-430637F0D3E5}"/>
-              </a:ext>
-            </a:extLst>
-          </p:cNvPr>
-          <p:cNvSpPr/>
-          <p:nvPr/>
-        </p:nvSpPr>
-        <p:spPr>
-          <a:xfrm>
-            <a:off x="5925670" y="1582274"/>
-            <a:ext cx="735106" cy="448231"/>
-          </a:xfrm>
-          <a:prstGeom prst="roundRect">
-            <a:avLst/>
-          </a:prstGeom>
-          <a:noFill/>
-          <a:ln w="28575">
-            <a:solidFill>
-              <a:srgbClr val="00B050"/>
-            </a:solidFill>
-          </a:ln>
-        </p:spPr>
-        <p:style>
-          <a:lnRef idx="2">
-            <a:schemeClr val="accent1">
-              <a:shade val="50000"/>
-            </a:schemeClr>
-          </a:lnRef>
-          <a:fillRef idx="1">
-            <a:schemeClr val="accent1"/>
-          </a:fillRef>
-          <a:effectRef idx="0">
-            <a:schemeClr val="accent1"/>
-          </a:effectRef>
-          <a:fontRef idx="minor">
-            <a:schemeClr val="lt1"/>
-          </a:fontRef>
-        </p:style>
-        <p:txBody>
-          <a:bodyPr rtlCol="0" anchor="ctr"/>
-          <a:lstStyle/>
-          <a:p>
-            <a:pPr algn="ctr"/>
-            <a:r>
-              <a:rPr lang="en-US" sz="1400" dirty="0">
-                <a:solidFill>
-                  <a:schemeClr val="tx1"/>
-                </a:solidFill>
-              </a:rPr>
-              <a:t>React routes</a:t>
-            </a:r>
-          </a:p>
-        </p:txBody>
-      </p:sp>
       <p:cxnSp>
         <p:nvCxnSpPr>
-          <p:cNvPr id="8" name="Straight Connector 7">
-            <a:extLst>
-              <a:ext uri="{FF2B5EF4-FFF2-40B4-BE49-F238E27FC236}">
-                <a16:creationId xmlns:a16="http://schemas.microsoft.com/office/drawing/2014/main" id="{F6B9805A-6E13-3F17-C8FA-AEE5FB81F234}"/>
+          <p:cNvPr id="11" name="Straight Arrow Connector 10">
+            <a:extLst>
+              <a:ext uri="{FF2B5EF4-FFF2-40B4-BE49-F238E27FC236}">
+                <a16:creationId xmlns:a16="http://schemas.microsoft.com/office/drawing/2014/main" id="{3ECAE6CB-8FBA-FC91-C95B-B58F9B89D905}"/>
               </a:ext>
             </a:extLst>
           </p:cNvPr>
           <p:cNvCxnSpPr>
-            <a:stCxn id="4" idx="2"/>
-            <a:endCxn id="5" idx="0"/>
+            <a:cxnSpLocks/>
+            <a:stCxn id="9" idx="0"/>
+            <a:endCxn id="6" idx="2"/>
           </p:cNvCxnSpPr>
           <p:nvPr/>
         </p:nvCxnSpPr>
         <p:spPr>
-          <a:xfrm>
-            <a:off x="5970494" y="1021977"/>
-            <a:ext cx="0" cy="358590"/>
-          </a:xfrm>
-          <a:prstGeom prst="line">
+          <a:xfrm flipH="1" flipV="1">
+            <a:off x="5334000" y="2752163"/>
+            <a:ext cx="636494" cy="385489"/>
+          </a:xfrm>
+          <a:prstGeom prst="straightConnector1">
             <a:avLst/>
           </a:prstGeom>
-          <a:ln w="28575"/>
+          <a:ln w="28575">
+            <a:tailEnd type="triangle"/>
+          </a:ln>
         </p:spPr>
         <p:style>
           <a:lnRef idx="1">
@@ -4382,29 +4326,133 @@
       </p:cxnSp>
       <p:cxnSp>
         <p:nvCxnSpPr>
-          <p:cNvPr id="10" name="Straight Connector 9">
-            <a:extLst>
-              <a:ext uri="{FF2B5EF4-FFF2-40B4-BE49-F238E27FC236}">
-                <a16:creationId xmlns:a16="http://schemas.microsoft.com/office/drawing/2014/main" id="{3C7C8CFC-8A56-8E57-4F6D-C59610DC48BC}"/>
+          <p:cNvPr id="12" name="Straight Arrow Connector 11">
+            <a:extLst>
+              <a:ext uri="{FF2B5EF4-FFF2-40B4-BE49-F238E27FC236}">
+                <a16:creationId xmlns:a16="http://schemas.microsoft.com/office/drawing/2014/main" id="{C7E68FBD-C907-ECAB-E67E-126E4D1E8798}"/>
               </a:ext>
             </a:extLst>
           </p:cNvPr>
           <p:cNvCxnSpPr>
             <a:cxnSpLocks/>
-            <a:stCxn id="5" idx="2"/>
-            <a:endCxn id="6" idx="0"/>
+            <a:stCxn id="9" idx="0"/>
+            <a:endCxn id="7" idx="2"/>
           </p:cNvCxnSpPr>
           <p:nvPr/>
         </p:nvCxnSpPr>
         <p:spPr>
-          <a:xfrm flipH="1">
-            <a:off x="5334000" y="2232213"/>
-            <a:ext cx="636494" cy="385485"/>
-          </a:xfrm>
-          <a:prstGeom prst="line">
+          <a:xfrm flipV="1">
+            <a:off x="5970494" y="2752163"/>
+            <a:ext cx="645459" cy="385489"/>
+          </a:xfrm>
+          <a:prstGeom prst="straightConnector1">
             <a:avLst/>
           </a:prstGeom>
-          <a:ln w="28575"/>
+          <a:ln w="28575">
+            <a:tailEnd type="triangle"/>
+          </a:ln>
+        </p:spPr>
+        <p:style>
+          <a:lnRef idx="1">
+            <a:schemeClr val="accent1"/>
+          </a:lnRef>
+          <a:fillRef idx="0">
+            <a:schemeClr val="accent1"/>
+          </a:fillRef>
+          <a:effectRef idx="0">
+            <a:schemeClr val="accent1"/>
+          </a:effectRef>
+          <a:fontRef idx="minor">
+            <a:schemeClr val="tx1"/>
+          </a:fontRef>
+        </p:style>
+      </p:cxnSp>
+      <p:sp>
+        <p:nvSpPr>
+          <p:cNvPr id="15" name="Rectangle: Rounded Corners 14">
+            <a:extLst>
+              <a:ext uri="{FF2B5EF4-FFF2-40B4-BE49-F238E27FC236}">
+                <a16:creationId xmlns:a16="http://schemas.microsoft.com/office/drawing/2014/main" id="{7CF00082-29BE-B194-13CF-430637F0D3E5}"/>
+              </a:ext>
+            </a:extLst>
+          </p:cNvPr>
+          <p:cNvSpPr/>
+          <p:nvPr/>
+        </p:nvSpPr>
+        <p:spPr>
+          <a:xfrm>
+            <a:off x="5925670" y="1342469"/>
+            <a:ext cx="735106" cy="448231"/>
+          </a:xfrm>
+          <a:prstGeom prst="roundRect">
+            <a:avLst/>
+          </a:prstGeom>
+          <a:noFill/>
+          <a:ln w="28575">
+            <a:solidFill>
+              <a:srgbClr val="00B050"/>
+            </a:solidFill>
+          </a:ln>
+        </p:spPr>
+        <p:style>
+          <a:lnRef idx="2">
+            <a:schemeClr val="accent1">
+              <a:shade val="50000"/>
+            </a:schemeClr>
+          </a:lnRef>
+          <a:fillRef idx="1">
+            <a:schemeClr val="accent1"/>
+          </a:fillRef>
+          <a:effectRef idx="0">
+            <a:schemeClr val="accent1"/>
+          </a:effectRef>
+          <a:fontRef idx="minor">
+            <a:schemeClr val="lt1"/>
+          </a:fontRef>
+        </p:style>
+        <p:txBody>
+          <a:bodyPr rtlCol="0" anchor="ctr"/>
+          <a:lstStyle/>
+          <a:p>
+            <a:pPr algn="ctr"/>
+            <a:r>
+              <a:rPr lang="en-US" sz="1400" dirty="0">
+                <a:solidFill>
+                  <a:schemeClr val="tx1"/>
+                </a:solidFill>
+              </a:rPr>
+              <a:t>React routes</a:t>
+            </a:r>
+          </a:p>
+        </p:txBody>
+      </p:sp>
+      <p:cxnSp>
+        <p:nvCxnSpPr>
+          <p:cNvPr id="3" name="Straight Arrow Connector 2">
+            <a:extLst>
+              <a:ext uri="{FF2B5EF4-FFF2-40B4-BE49-F238E27FC236}">
+                <a16:creationId xmlns:a16="http://schemas.microsoft.com/office/drawing/2014/main" id="{60973EA9-37FB-79E6-483B-EF516AD1378B}"/>
+              </a:ext>
+            </a:extLst>
+          </p:cNvPr>
+          <p:cNvCxnSpPr>
+            <a:cxnSpLocks/>
+            <a:stCxn id="6" idx="0"/>
+            <a:endCxn id="5" idx="2"/>
+          </p:cNvCxnSpPr>
+          <p:nvPr/>
+        </p:nvCxnSpPr>
+        <p:spPr>
+          <a:xfrm flipV="1">
+            <a:off x="5334000" y="1913968"/>
+            <a:ext cx="636494" cy="372034"/>
+          </a:xfrm>
+          <a:prstGeom prst="straightConnector1">
+            <a:avLst/>
+          </a:prstGeom>
+          <a:ln w="28575">
+            <a:tailEnd type="triangle"/>
+          </a:ln>
         </p:spPr>
         <p:style>
           <a:lnRef idx="1">
@@ -4423,29 +4471,31 @@
       </p:cxnSp>
       <p:cxnSp>
         <p:nvCxnSpPr>
-          <p:cNvPr id="18" name="Straight Connector 17">
-            <a:extLst>
-              <a:ext uri="{FF2B5EF4-FFF2-40B4-BE49-F238E27FC236}">
-                <a16:creationId xmlns:a16="http://schemas.microsoft.com/office/drawing/2014/main" id="{E7F4E565-2420-F2FB-C407-1D240F40A83E}"/>
+          <p:cNvPr id="13" name="Straight Arrow Connector 12">
+            <a:extLst>
+              <a:ext uri="{FF2B5EF4-FFF2-40B4-BE49-F238E27FC236}">
+                <a16:creationId xmlns:a16="http://schemas.microsoft.com/office/drawing/2014/main" id="{6F0366DF-44BD-0891-D064-AD14E0A7DEDC}"/>
               </a:ext>
             </a:extLst>
           </p:cNvPr>
           <p:cNvCxnSpPr>
             <a:cxnSpLocks/>
-            <a:stCxn id="5" idx="2"/>
-            <a:endCxn id="7" idx="0"/>
+            <a:stCxn id="7" idx="0"/>
+            <a:endCxn id="5" idx="2"/>
           </p:cNvCxnSpPr>
           <p:nvPr/>
         </p:nvCxnSpPr>
         <p:spPr>
-          <a:xfrm>
-            <a:off x="5970494" y="2232213"/>
-            <a:ext cx="645459" cy="385485"/>
-          </a:xfrm>
-          <a:prstGeom prst="line">
+          <a:xfrm flipH="1" flipV="1">
+            <a:off x="5970494" y="1913968"/>
+            <a:ext cx="645459" cy="372034"/>
+          </a:xfrm>
+          <a:prstGeom prst="straightConnector1">
             <a:avLst/>
           </a:prstGeom>
-          <a:ln w="28575"/>
+          <a:ln w="28575">
+            <a:tailEnd type="triangle"/>
+          </a:ln>
         </p:spPr>
         <p:style>
           <a:lnRef idx="1">
@@ -4464,70 +4514,31 @@
       </p:cxnSp>
       <p:cxnSp>
         <p:nvCxnSpPr>
-          <p:cNvPr id="21" name="Straight Connector 20">
-            <a:extLst>
-              <a:ext uri="{FF2B5EF4-FFF2-40B4-BE49-F238E27FC236}">
-                <a16:creationId xmlns:a16="http://schemas.microsoft.com/office/drawing/2014/main" id="{2D0AF301-86F4-4AD6-E1A3-12425996F317}"/>
+          <p:cNvPr id="17" name="Straight Arrow Connector 16">
+            <a:extLst>
+              <a:ext uri="{FF2B5EF4-FFF2-40B4-BE49-F238E27FC236}">
+                <a16:creationId xmlns:a16="http://schemas.microsoft.com/office/drawing/2014/main" id="{B2140053-22C2-D31A-D85C-DB621431BBA5}"/>
               </a:ext>
             </a:extLst>
           </p:cNvPr>
           <p:cNvCxnSpPr>
             <a:cxnSpLocks/>
-            <a:stCxn id="6" idx="2"/>
-            <a:endCxn id="9" idx="0"/>
+            <a:stCxn id="5" idx="0"/>
+            <a:endCxn id="4" idx="2"/>
           </p:cNvCxnSpPr>
           <p:nvPr/>
         </p:nvCxnSpPr>
         <p:spPr>
-          <a:xfrm>
-            <a:off x="5334000" y="3281086"/>
-            <a:ext cx="636494" cy="331697"/>
-          </a:xfrm>
-          <a:prstGeom prst="line">
+          <a:xfrm flipV="1">
+            <a:off x="5970494" y="824753"/>
+            <a:ext cx="0" cy="394448"/>
+          </a:xfrm>
+          <a:prstGeom prst="straightConnector1">
             <a:avLst/>
           </a:prstGeom>
-          <a:ln w="28575"/>
-        </p:spPr>
-        <p:style>
-          <a:lnRef idx="1">
-            <a:schemeClr val="accent1"/>
-          </a:lnRef>
-          <a:fillRef idx="0">
-            <a:schemeClr val="accent1"/>
-          </a:fillRef>
-          <a:effectRef idx="0">
-            <a:schemeClr val="accent1"/>
-          </a:effectRef>
-          <a:fontRef idx="minor">
-            <a:schemeClr val="tx1"/>
-          </a:fontRef>
-        </p:style>
-      </p:cxnSp>
-      <p:cxnSp>
-        <p:nvCxnSpPr>
-          <p:cNvPr id="24" name="Straight Connector 23">
-            <a:extLst>
-              <a:ext uri="{FF2B5EF4-FFF2-40B4-BE49-F238E27FC236}">
-                <a16:creationId xmlns:a16="http://schemas.microsoft.com/office/drawing/2014/main" id="{4334AC2D-A93F-8D58-E88D-F5139D739FBC}"/>
-              </a:ext>
-            </a:extLst>
-          </p:cNvPr>
-          <p:cNvCxnSpPr>
-            <a:cxnSpLocks/>
-            <a:stCxn id="7" idx="2"/>
-            <a:endCxn id="9" idx="0"/>
-          </p:cNvCxnSpPr>
-          <p:nvPr/>
-        </p:nvCxnSpPr>
-        <p:spPr>
-          <a:xfrm flipH="1">
-            <a:off x="5970494" y="3281086"/>
-            <a:ext cx="645459" cy="331697"/>
-          </a:xfrm>
-          <a:prstGeom prst="line">
-            <a:avLst/>
-          </a:prstGeom>
-          <a:ln w="28575"/>
+          <a:ln w="28575">
+            <a:tailEnd type="triangle"/>
+          </a:ln>
         </p:spPr>
         <p:style>
           <a:lnRef idx="1">

--- a/Architecture.pptx
+++ b/Architecture.pptx
@@ -260,7 +260,7 @@
           <a:p>
             <a:fld id="{FD16D8A6-CA92-40EB-9A78-3D08A004A8A0}" type="datetimeFigureOut">
               <a:rPr lang="en-US" smtClean="0"/>
-              <a:t>5/10/2023</a:t>
+              <a:t>5/11/2023</a:t>
             </a:fld>
             <a:endParaRPr lang="en-US"/>
           </a:p>
@@ -458,7 +458,7 @@
           <a:p>
             <a:fld id="{FD16D8A6-CA92-40EB-9A78-3D08A004A8A0}" type="datetimeFigureOut">
               <a:rPr lang="en-US" smtClean="0"/>
-              <a:t>5/10/2023</a:t>
+              <a:t>5/11/2023</a:t>
             </a:fld>
             <a:endParaRPr lang="en-US"/>
           </a:p>
@@ -666,7 +666,7 @@
           <a:p>
             <a:fld id="{FD16D8A6-CA92-40EB-9A78-3D08A004A8A0}" type="datetimeFigureOut">
               <a:rPr lang="en-US" smtClean="0"/>
-              <a:t>5/10/2023</a:t>
+              <a:t>5/11/2023</a:t>
             </a:fld>
             <a:endParaRPr lang="en-US"/>
           </a:p>
@@ -864,7 +864,7 @@
           <a:p>
             <a:fld id="{FD16D8A6-CA92-40EB-9A78-3D08A004A8A0}" type="datetimeFigureOut">
               <a:rPr lang="en-US" smtClean="0"/>
-              <a:t>5/10/2023</a:t>
+              <a:t>5/11/2023</a:t>
             </a:fld>
             <a:endParaRPr lang="en-US"/>
           </a:p>
@@ -1139,7 +1139,7 @@
           <a:p>
             <a:fld id="{FD16D8A6-CA92-40EB-9A78-3D08A004A8A0}" type="datetimeFigureOut">
               <a:rPr lang="en-US" smtClean="0"/>
-              <a:t>5/10/2023</a:t>
+              <a:t>5/11/2023</a:t>
             </a:fld>
             <a:endParaRPr lang="en-US"/>
           </a:p>
@@ -1404,7 +1404,7 @@
           <a:p>
             <a:fld id="{FD16D8A6-CA92-40EB-9A78-3D08A004A8A0}" type="datetimeFigureOut">
               <a:rPr lang="en-US" smtClean="0"/>
-              <a:t>5/10/2023</a:t>
+              <a:t>5/11/2023</a:t>
             </a:fld>
             <a:endParaRPr lang="en-US"/>
           </a:p>
@@ -1816,7 +1816,7 @@
           <a:p>
             <a:fld id="{FD16D8A6-CA92-40EB-9A78-3D08A004A8A0}" type="datetimeFigureOut">
               <a:rPr lang="en-US" smtClean="0"/>
-              <a:t>5/10/2023</a:t>
+              <a:t>5/11/2023</a:t>
             </a:fld>
             <a:endParaRPr lang="en-US"/>
           </a:p>
@@ -1957,7 +1957,7 @@
           <a:p>
             <a:fld id="{FD16D8A6-CA92-40EB-9A78-3D08A004A8A0}" type="datetimeFigureOut">
               <a:rPr lang="en-US" smtClean="0"/>
-              <a:t>5/10/2023</a:t>
+              <a:t>5/11/2023</a:t>
             </a:fld>
             <a:endParaRPr lang="en-US"/>
           </a:p>
@@ -2070,7 +2070,7 @@
           <a:p>
             <a:fld id="{FD16D8A6-CA92-40EB-9A78-3D08A004A8A0}" type="datetimeFigureOut">
               <a:rPr lang="en-US" smtClean="0"/>
-              <a:t>5/10/2023</a:t>
+              <a:t>5/11/2023</a:t>
             </a:fld>
             <a:endParaRPr lang="en-US"/>
           </a:p>
@@ -2381,7 +2381,7 @@
           <a:p>
             <a:fld id="{FD16D8A6-CA92-40EB-9A78-3D08A004A8A0}" type="datetimeFigureOut">
               <a:rPr lang="en-US" smtClean="0"/>
-              <a:t>5/10/2023</a:t>
+              <a:t>5/11/2023</a:t>
             </a:fld>
             <a:endParaRPr lang="en-US"/>
           </a:p>
@@ -2669,7 +2669,7 @@
           <a:p>
             <a:fld id="{FD16D8A6-CA92-40EB-9A78-3D08A004A8A0}" type="datetimeFigureOut">
               <a:rPr lang="en-US" smtClean="0"/>
-              <a:t>5/10/2023</a:t>
+              <a:t>5/11/2023</a:t>
             </a:fld>
             <a:endParaRPr lang="en-US"/>
           </a:p>
@@ -2910,7 +2910,7 @@
           <a:p>
             <a:fld id="{FD16D8A6-CA92-40EB-9A78-3D08A004A8A0}" type="datetimeFigureOut">
               <a:rPr lang="en-US" smtClean="0"/>
-              <a:t>5/10/2023</a:t>
+              <a:t>5/11/2023</a:t>
             </a:fld>
             <a:endParaRPr lang="en-US"/>
           </a:p>
@@ -4158,7 +4158,7 @@
                   <a:schemeClr val="tx1"/>
                 </a:solidFill>
               </a:rPr>
-              <a:t>Controller</a:t>
+              <a:t>Service</a:t>
             </a:r>
           </a:p>
         </p:txBody>
@@ -4217,7 +4217,7 @@
                   <a:schemeClr val="tx1"/>
                 </a:solidFill>
               </a:rPr>
-              <a:t>OAuth controller</a:t>
+              <a:t>OAuth service</a:t>
             </a:r>
           </a:p>
         </p:txBody>
